--- a/paper/gfx/Präsentation1.pptx
+++ b/paper/gfx/Präsentation1.pptx
@@ -8,6 +8,7 @@
     <p:sldId id="256" r:id="rId2"/>
     <p:sldId id="257" r:id="rId3"/>
     <p:sldId id="258" r:id="rId4"/>
+    <p:sldId id="259" r:id="rId5"/>
   </p:sldIdLst>
   <p:sldSz cx="12192000" cy="6858000"/>
   <p:notesSz cx="6858000" cy="9144000"/>
@@ -106,6 +107,11 @@
       </a:defRPr>
     </a:lvl9pPr>
   </p:defaultTextStyle>
+  <p:extLst>
+    <p:ext uri="{EFAFB233-063F-42B5-8137-9DF3F51BA10A}">
+      <p15:sldGuideLst xmlns:p15="http://schemas.microsoft.com/office/powerpoint/2012/main"/>
+    </p:ext>
+  </p:extLst>
 </p:presentation>
 </file>
 
@@ -240,7 +246,7 @@
           <a:p>
             <a:fld id="{9E0AB47A-0D4F-4477-9D66-E57A5EC8123E}" type="datetimeFigureOut">
               <a:rPr lang="de-DE" smtClean="0"/>
-              <a:t>29.11.2024</a:t>
+              <a:t>30.12.2024</a:t>
             </a:fld>
             <a:endParaRPr lang="de-DE"/>
           </a:p>
@@ -410,7 +416,7 @@
           <a:p>
             <a:fld id="{9E0AB47A-0D4F-4477-9D66-E57A5EC8123E}" type="datetimeFigureOut">
               <a:rPr lang="de-DE" smtClean="0"/>
-              <a:t>29.11.2024</a:t>
+              <a:t>30.12.2024</a:t>
             </a:fld>
             <a:endParaRPr lang="de-DE"/>
           </a:p>
@@ -590,7 +596,7 @@
           <a:p>
             <a:fld id="{9E0AB47A-0D4F-4477-9D66-E57A5EC8123E}" type="datetimeFigureOut">
               <a:rPr lang="de-DE" smtClean="0"/>
-              <a:t>29.11.2024</a:t>
+              <a:t>30.12.2024</a:t>
             </a:fld>
             <a:endParaRPr lang="de-DE"/>
           </a:p>
@@ -760,7 +766,7 @@
           <a:p>
             <a:fld id="{9E0AB47A-0D4F-4477-9D66-E57A5EC8123E}" type="datetimeFigureOut">
               <a:rPr lang="de-DE" smtClean="0"/>
-              <a:t>29.11.2024</a:t>
+              <a:t>30.12.2024</a:t>
             </a:fld>
             <a:endParaRPr lang="de-DE"/>
           </a:p>
@@ -1006,7 +1012,7 @@
           <a:p>
             <a:fld id="{9E0AB47A-0D4F-4477-9D66-E57A5EC8123E}" type="datetimeFigureOut">
               <a:rPr lang="de-DE" smtClean="0"/>
-              <a:t>29.11.2024</a:t>
+              <a:t>30.12.2024</a:t>
             </a:fld>
             <a:endParaRPr lang="de-DE"/>
           </a:p>
@@ -1238,7 +1244,7 @@
           <a:p>
             <a:fld id="{9E0AB47A-0D4F-4477-9D66-E57A5EC8123E}" type="datetimeFigureOut">
               <a:rPr lang="de-DE" smtClean="0"/>
-              <a:t>29.11.2024</a:t>
+              <a:t>30.12.2024</a:t>
             </a:fld>
             <a:endParaRPr lang="de-DE"/>
           </a:p>
@@ -1605,7 +1611,7 @@
           <a:p>
             <a:fld id="{9E0AB47A-0D4F-4477-9D66-E57A5EC8123E}" type="datetimeFigureOut">
               <a:rPr lang="de-DE" smtClean="0"/>
-              <a:t>29.11.2024</a:t>
+              <a:t>30.12.2024</a:t>
             </a:fld>
             <a:endParaRPr lang="de-DE"/>
           </a:p>
@@ -1723,7 +1729,7 @@
           <a:p>
             <a:fld id="{9E0AB47A-0D4F-4477-9D66-E57A5EC8123E}" type="datetimeFigureOut">
               <a:rPr lang="de-DE" smtClean="0"/>
-              <a:t>29.11.2024</a:t>
+              <a:t>30.12.2024</a:t>
             </a:fld>
             <a:endParaRPr lang="de-DE"/>
           </a:p>
@@ -1818,7 +1824,7 @@
           <a:p>
             <a:fld id="{9E0AB47A-0D4F-4477-9D66-E57A5EC8123E}" type="datetimeFigureOut">
               <a:rPr lang="de-DE" smtClean="0"/>
-              <a:t>29.11.2024</a:t>
+              <a:t>30.12.2024</a:t>
             </a:fld>
             <a:endParaRPr lang="de-DE"/>
           </a:p>
@@ -2095,7 +2101,7 @@
           <a:p>
             <a:fld id="{9E0AB47A-0D4F-4477-9D66-E57A5EC8123E}" type="datetimeFigureOut">
               <a:rPr lang="de-DE" smtClean="0"/>
-              <a:t>29.11.2024</a:t>
+              <a:t>30.12.2024</a:t>
             </a:fld>
             <a:endParaRPr lang="de-DE"/>
           </a:p>
@@ -2348,7 +2354,7 @@
           <a:p>
             <a:fld id="{9E0AB47A-0D4F-4477-9D66-E57A5EC8123E}" type="datetimeFigureOut">
               <a:rPr lang="de-DE" smtClean="0"/>
-              <a:t>29.11.2024</a:t>
+              <a:t>30.12.2024</a:t>
             </a:fld>
             <a:endParaRPr lang="de-DE"/>
           </a:p>
@@ -2561,7 +2567,7 @@
           <a:p>
             <a:fld id="{9E0AB47A-0D4F-4477-9D66-E57A5EC8123E}" type="datetimeFigureOut">
               <a:rPr lang="de-DE" smtClean="0"/>
-              <a:t>29.11.2024</a:t>
+              <a:t>30.12.2024</a:t>
             </a:fld>
             <a:endParaRPr lang="de-DE"/>
           </a:p>
@@ -3357,6 +3363,138 @@
 </p:sld>
 </file>
 
+<file path=ppt/slides/slide4.xml><?xml version="1.0" encoding="utf-8"?>
+<p:sld xmlns:a="http://schemas.openxmlformats.org/drawingml/2006/main" xmlns:r="http://schemas.openxmlformats.org/officeDocument/2006/relationships" xmlns:p="http://schemas.openxmlformats.org/presentationml/2006/main">
+  <p:cSld>
+    <p:spTree>
+      <p:nvGrpSpPr>
+        <p:cNvPr id="1" name=""/>
+        <p:cNvGrpSpPr/>
+        <p:nvPr/>
+      </p:nvGrpSpPr>
+      <p:grpSpPr>
+        <a:xfrm>
+          <a:off x="0" y="0"/>
+          <a:ext cx="0" cy="0"/>
+          <a:chOff x="0" y="0"/>
+          <a:chExt cx="0" cy="0"/>
+        </a:xfrm>
+      </p:grpSpPr>
+      <p:grpSp>
+        <p:nvGrpSpPr>
+          <p:cNvPr id="5" name="Gruppieren 4"/>
+          <p:cNvGrpSpPr/>
+          <p:nvPr/>
+        </p:nvGrpSpPr>
+        <p:grpSpPr>
+          <a:xfrm>
+            <a:off x="-259231" y="1479665"/>
+            <a:ext cx="13505017" cy="4320000"/>
+            <a:chOff x="-259231" y="1479665"/>
+            <a:chExt cx="13505017" cy="4320000"/>
+          </a:xfrm>
+        </p:grpSpPr>
+        <p:pic>
+          <p:nvPicPr>
+            <p:cNvPr id="2" name="Grafik 1"/>
+            <p:cNvPicPr>
+              <a:picLocks noChangeAspect="1"/>
+            </p:cNvPicPr>
+            <p:nvPr/>
+          </p:nvPicPr>
+          <p:blipFill rotWithShape="1">
+            <a:blip r:embed="rId2">
+              <a:extLst>
+                <a:ext uri="{28A0092B-C50C-407E-A947-70E740481C1C}">
+                  <a14:useLocalDpi xmlns:a14="http://schemas.microsoft.com/office/drawing/2010/main" val="0"/>
+                </a:ext>
+              </a:extLst>
+            </a:blip>
+            <a:srcRect l="3133" t="5634" r="28420" b="10297"/>
+            <a:stretch/>
+          </p:blipFill>
+          <p:spPr>
+            <a:xfrm rot="10800000">
+              <a:off x="4267853" y="1479665"/>
+              <a:ext cx="4313694" cy="4320000"/>
+            </a:xfrm>
+            <a:prstGeom prst="rect">
+              <a:avLst/>
+            </a:prstGeom>
+          </p:spPr>
+        </p:pic>
+        <p:pic>
+          <p:nvPicPr>
+            <p:cNvPr id="3" name="Grafik 2"/>
+            <p:cNvPicPr>
+              <a:picLocks noChangeAspect="1"/>
+            </p:cNvPicPr>
+            <p:nvPr/>
+          </p:nvPicPr>
+          <p:blipFill rotWithShape="1">
+            <a:blip r:embed="rId3">
+              <a:extLst>
+                <a:ext uri="{28A0092B-C50C-407E-A947-70E740481C1C}">
+                  <a14:useLocalDpi xmlns:a14="http://schemas.microsoft.com/office/drawing/2010/main" val="0"/>
+                </a:ext>
+              </a:extLst>
+            </a:blip>
+            <a:srcRect l="14129" t="5846" r="18457" b="23211"/>
+            <a:stretch/>
+          </p:blipFill>
+          <p:spPr>
+            <a:xfrm rot="10800000">
+              <a:off x="-259231" y="1479665"/>
+              <a:ext cx="4208324" cy="4320000"/>
+            </a:xfrm>
+            <a:prstGeom prst="rect">
+              <a:avLst/>
+            </a:prstGeom>
+          </p:spPr>
+        </p:pic>
+        <p:pic>
+          <p:nvPicPr>
+            <p:cNvPr id="4" name="Grafik 3"/>
+            <p:cNvPicPr>
+              <a:picLocks noChangeAspect="1"/>
+            </p:cNvPicPr>
+            <p:nvPr/>
+          </p:nvPicPr>
+          <p:blipFill rotWithShape="1">
+            <a:blip r:embed="rId4">
+              <a:extLst>
+                <a:ext uri="{28A0092B-C50C-407E-A947-70E740481C1C}">
+                  <a14:useLocalDpi xmlns:a14="http://schemas.microsoft.com/office/drawing/2010/main" val="0"/>
+                </a:ext>
+              </a:extLst>
+            </a:blip>
+            <a:srcRect l="8539" t="6303" r="18228" b="11878"/>
+            <a:stretch/>
+          </p:blipFill>
+          <p:spPr>
+            <a:xfrm rot="10800000">
+              <a:off x="8900307" y="1479665"/>
+              <a:ext cx="4345479" cy="4320000"/>
+            </a:xfrm>
+            <a:prstGeom prst="rect">
+              <a:avLst/>
+            </a:prstGeom>
+          </p:spPr>
+        </p:pic>
+      </p:grpSp>
+    </p:spTree>
+    <p:extLst>
+      <p:ext uri="{BB962C8B-B14F-4D97-AF65-F5344CB8AC3E}">
+        <p14:creationId xmlns:p14="http://schemas.microsoft.com/office/powerpoint/2010/main" val="3026959580"/>
+      </p:ext>
+    </p:extLst>
+  </p:cSld>
+  <p:clrMapOvr>
+    <a:masterClrMapping/>
+  </p:clrMapOvr>
+</p:sld>
+</file>
+
 <file path=ppt/theme/theme1.xml><?xml version="1.0" encoding="utf-8"?>
 <a:theme xmlns:a="http://schemas.openxmlformats.org/drawingml/2006/main" name="Office">
   <a:themeElements>
